--- a/translations/en-us/advanced/GyroWallFollow.pptx
+++ b/translations/en-us/advanced/GyroWallFollow.pptx
@@ -220,7 +220,7 @@
           <a:p>
             <a:fld id="{E354B44E-40A3-0E46-B16A-9BF1250A248B}" type="datetimeFigureOut">
               <a:rPr lang="en-US" smtClean="0"/>
-              <a:t>11/15/15</a:t>
+              <a:t>7/19/16</a:t>
             </a:fld>
             <a:endParaRPr lang="en-US"/>
           </a:p>
@@ -386,7 +386,7 @@
           <a:p>
             <a:fld id="{C86AD16C-2DB4-6642-BAD4-9ED973A087A0}" type="datetimeFigureOut">
               <a:rPr lang="en-US" smtClean="0"/>
-              <a:t>11/15/15</a:t>
+              <a:t>7/19/16</a:t>
             </a:fld>
             <a:endParaRPr lang="en-US"/>
           </a:p>
@@ -855,9 +855,9 @@
           <a:bodyPr/>
           <a:lstStyle/>
           <a:p>
-            <a:fld id="{C1ED5951-7C0A-44C5-8B65-463343A76890}" type="datetime1">
-              <a:rPr lang="en-US" smtClean="0"/>
-              <a:t>11/15/15</a:t>
+            <a:fld id="{B75D5D21-E88E-F04F-8D3F-37773DD9EF06}" type="datetime1">
+              <a:rPr lang="en-US" smtClean="0"/>
+              <a:t>7/19/16</a:t>
             </a:fld>
             <a:endParaRPr lang="en-US"/>
           </a:p>
@@ -879,8 +879,8 @@
           <a:lstStyle/>
           <a:p>
             <a:r>
-              <a:rPr lang="en-US" smtClean="0"/>
-              <a:t>© 2015 EV3Lessons.com, Last edit 6/23/2015</a:t>
+              <a:rPr lang="sk-SK" smtClean="0"/>
+              <a:t>© 2016 EV3Lessons.com, Last edit 7/19/2016</a:t>
             </a:r>
             <a:endParaRPr lang="en-US"/>
           </a:p>
@@ -1408,7 +1408,7 @@
           <a:noFill/>
           <a:extLst>
             <a:ext uri="{909E8E84-426E-40dd-AFC4-6F175D3DCCD1}">
-              <a14:hiddenFill xmlns="" xmlns:a14="http://schemas.microsoft.com/office/drawing/2010/main">
+              <a14:hiddenFill xmlns:a14="http://schemas.microsoft.com/office/drawing/2010/main" xmlns="">
                 <a:solidFill>
                   <a:srgbClr val="FFFFFF"/>
                 </a:solidFill>
@@ -1452,288 +1452,6 @@
           </a:fontRef>
         </p:style>
       </p:cxnSp>
-      <p:pic>
-        <p:nvPicPr>
-          <p:cNvPr id="12" name="Picture 11"/>
-          <p:cNvPicPr>
-            <a:picLocks noChangeAspect="1"/>
-          </p:cNvPicPr>
-          <p:nvPr/>
-        </p:nvPicPr>
-        <p:blipFill>
-          <a:blip r:embed="rId3">
-            <a:extLst>
-              <a:ext uri="{28A0092B-C50C-407E-A947-70E740481C1C}">
-                <a14:useLocalDpi xmlns:a14="http://schemas.microsoft.com/office/drawing/2010/main" val="0"/>
-              </a:ext>
-            </a:extLst>
-          </a:blip>
-          <a:stretch>
-            <a:fillRect/>
-          </a:stretch>
-        </p:blipFill>
-        <p:spPr>
-          <a:xfrm>
-            <a:off x="284163" y="4948514"/>
-            <a:ext cx="1265237" cy="1210410"/>
-          </a:xfrm>
-          <a:prstGeom prst="rect">
-            <a:avLst/>
-          </a:prstGeom>
-        </p:spPr>
-      </p:pic>
-      <p:sp>
-        <p:nvSpPr>
-          <p:cNvPr id="18" name="Subtitle 3"/>
-          <p:cNvSpPr txBox="1">
-            <a:spLocks/>
-          </p:cNvSpPr>
-          <p:nvPr/>
-        </p:nvSpPr>
-        <p:spPr>
-          <a:xfrm>
-            <a:off x="1549400" y="5829838"/>
-            <a:ext cx="3749229" cy="484094"/>
-          </a:xfrm>
-          <a:prstGeom prst="rect">
-            <a:avLst/>
-          </a:prstGeom>
-        </p:spPr>
-        <p:txBody>
-          <a:bodyPr vert="horz" lIns="91440" tIns="45720" rIns="91440" bIns="45720" rtlCol="0">
-            <a:normAutofit/>
-          </a:bodyPr>
-          <a:lstStyle>
-            <a:lvl1pPr marL="0" indent="0" algn="l" defTabSz="914400" rtl="0" eaLnBrk="1" latinLnBrk="0" hangingPunct="1">
-              <a:lnSpc>
-                <a:spcPct val="100000"/>
-              </a:lnSpc>
-              <a:spcBef>
-                <a:spcPts val="0"/>
-              </a:spcBef>
-              <a:buClr>
-                <a:schemeClr val="bg1">
-                  <a:lumMod val="65000"/>
-                </a:schemeClr>
-              </a:buClr>
-              <a:buSzPct val="90000"/>
-              <a:buFont typeface="Wingdings" pitchFamily="2" charset="2"/>
-              <a:buNone/>
-              <a:defRPr sz="1800" kern="1200">
-                <a:solidFill>
-                  <a:schemeClr val="bg1"/>
-                </a:solidFill>
-                <a:latin typeface="+mn-lt"/>
-                <a:ea typeface="+mn-ea"/>
-                <a:cs typeface="+mn-cs"/>
-              </a:defRPr>
-            </a:lvl1pPr>
-            <a:lvl2pPr marL="457200" indent="0" algn="ctr" defTabSz="914400" rtl="0" eaLnBrk="1" latinLnBrk="0" hangingPunct="1">
-              <a:spcBef>
-                <a:spcPts val="600"/>
-              </a:spcBef>
-              <a:buClr>
-                <a:schemeClr val="tx1">
-                  <a:lumMod val="75000"/>
-                  <a:lumOff val="25000"/>
-                </a:schemeClr>
-              </a:buClr>
-              <a:buSzPct val="90000"/>
-              <a:buFont typeface="Wingdings" pitchFamily="2" charset="2"/>
-              <a:buNone/>
-              <a:defRPr sz="2200" kern="1200">
-                <a:solidFill>
-                  <a:schemeClr val="tx1">
-                    <a:tint val="75000"/>
-                  </a:schemeClr>
-                </a:solidFill>
-                <a:latin typeface="+mn-lt"/>
-                <a:ea typeface="+mn-ea"/>
-                <a:cs typeface="+mn-cs"/>
-              </a:defRPr>
-            </a:lvl2pPr>
-            <a:lvl3pPr marL="914400" indent="0" algn="ctr" defTabSz="914400" rtl="0" eaLnBrk="1" latinLnBrk="0" hangingPunct="1">
-              <a:spcBef>
-                <a:spcPts val="600"/>
-              </a:spcBef>
-              <a:buClr>
-                <a:schemeClr val="bg1">
-                  <a:lumMod val="65000"/>
-                </a:schemeClr>
-              </a:buClr>
-              <a:buSzPct val="90000"/>
-              <a:buFont typeface="Wingdings" pitchFamily="2" charset="2"/>
-              <a:buNone/>
-              <a:defRPr sz="2000" kern="1200">
-                <a:solidFill>
-                  <a:schemeClr val="tx1">
-                    <a:tint val="75000"/>
-                  </a:schemeClr>
-                </a:solidFill>
-                <a:latin typeface="+mn-lt"/>
-                <a:ea typeface="+mn-ea"/>
-                <a:cs typeface="+mn-cs"/>
-              </a:defRPr>
-            </a:lvl3pPr>
-            <a:lvl4pPr marL="1371600" indent="0" algn="ctr" defTabSz="914400" rtl="0" eaLnBrk="1" latinLnBrk="0" hangingPunct="1">
-              <a:spcBef>
-                <a:spcPts val="600"/>
-              </a:spcBef>
-              <a:buClr>
-                <a:schemeClr val="tx1">
-                  <a:lumMod val="75000"/>
-                  <a:lumOff val="25000"/>
-                </a:schemeClr>
-              </a:buClr>
-              <a:buSzPct val="90000"/>
-              <a:buFont typeface="Wingdings" pitchFamily="2" charset="2"/>
-              <a:buNone/>
-              <a:defRPr sz="1800" kern="1200">
-                <a:solidFill>
-                  <a:schemeClr val="tx1">
-                    <a:tint val="75000"/>
-                  </a:schemeClr>
-                </a:solidFill>
-                <a:latin typeface="+mn-lt"/>
-                <a:ea typeface="+mn-ea"/>
-                <a:cs typeface="+mn-cs"/>
-              </a:defRPr>
-            </a:lvl4pPr>
-            <a:lvl5pPr marL="1828800" indent="0" algn="ctr" defTabSz="914400" rtl="0" eaLnBrk="1" latinLnBrk="0" hangingPunct="1">
-              <a:spcBef>
-                <a:spcPts val="600"/>
-              </a:spcBef>
-              <a:buClr>
-                <a:schemeClr val="bg1">
-                  <a:lumMod val="65000"/>
-                </a:schemeClr>
-              </a:buClr>
-              <a:buSzPct val="90000"/>
-              <a:buFont typeface="Wingdings" pitchFamily="2" charset="2"/>
-              <a:buNone/>
-              <a:defRPr sz="1800" kern="1200">
-                <a:solidFill>
-                  <a:schemeClr val="tx1">
-                    <a:tint val="75000"/>
-                  </a:schemeClr>
-                </a:solidFill>
-                <a:latin typeface="+mn-lt"/>
-                <a:ea typeface="+mn-ea"/>
-                <a:cs typeface="+mn-cs"/>
-              </a:defRPr>
-            </a:lvl5pPr>
-            <a:lvl6pPr marL="2286000" indent="0" algn="ctr" defTabSz="914400" rtl="0" eaLnBrk="1" latinLnBrk="0" hangingPunct="1">
-              <a:spcBef>
-                <a:spcPts val="600"/>
-              </a:spcBef>
-              <a:buClr>
-                <a:schemeClr val="tx1">
-                  <a:lumMod val="75000"/>
-                  <a:lumOff val="25000"/>
-                </a:schemeClr>
-              </a:buClr>
-              <a:buSzPct val="90000"/>
-              <a:buFont typeface="Wingdings" pitchFamily="2" charset="2"/>
-              <a:buNone/>
-              <a:defRPr lang="en-US" sz="1800" kern="1200">
-                <a:solidFill>
-                  <a:schemeClr val="tx1">
-                    <a:tint val="75000"/>
-                  </a:schemeClr>
-                </a:solidFill>
-                <a:latin typeface="+mn-lt"/>
-                <a:ea typeface="+mn-ea"/>
-                <a:cs typeface="+mn-cs"/>
-              </a:defRPr>
-            </a:lvl6pPr>
-            <a:lvl7pPr marL="2743200" indent="0" algn="ctr" defTabSz="914400" rtl="0" eaLnBrk="1" latinLnBrk="0" hangingPunct="1">
-              <a:spcBef>
-                <a:spcPts val="600"/>
-              </a:spcBef>
-              <a:buClr>
-                <a:schemeClr val="bg1">
-                  <a:lumMod val="65000"/>
-                </a:schemeClr>
-              </a:buClr>
-              <a:buSzPct val="90000"/>
-              <a:buFont typeface="Wingdings" pitchFamily="2" charset="2"/>
-              <a:buNone/>
-              <a:defRPr lang="en-US" sz="1800" kern="1200">
-                <a:solidFill>
-                  <a:schemeClr val="tx1">
-                    <a:tint val="75000"/>
-                  </a:schemeClr>
-                </a:solidFill>
-                <a:latin typeface="+mn-lt"/>
-                <a:ea typeface="+mn-ea"/>
-                <a:cs typeface="+mn-cs"/>
-              </a:defRPr>
-            </a:lvl7pPr>
-            <a:lvl8pPr marL="3200400" indent="0" algn="ctr" defTabSz="914400" rtl="0" eaLnBrk="1" latinLnBrk="0" hangingPunct="1">
-              <a:spcBef>
-                <a:spcPts val="600"/>
-              </a:spcBef>
-              <a:buClr>
-                <a:schemeClr val="tx1">
-                  <a:lumMod val="75000"/>
-                  <a:lumOff val="25000"/>
-                </a:schemeClr>
-              </a:buClr>
-              <a:buSzPct val="90000"/>
-              <a:buFont typeface="Wingdings" pitchFamily="2" charset="2"/>
-              <a:buNone/>
-              <a:defRPr lang="en-US" sz="1800" kern="1200">
-                <a:solidFill>
-                  <a:schemeClr val="tx1">
-                    <a:tint val="75000"/>
-                  </a:schemeClr>
-                </a:solidFill>
-                <a:latin typeface="+mn-lt"/>
-                <a:ea typeface="+mn-ea"/>
-                <a:cs typeface="+mn-cs"/>
-              </a:defRPr>
-            </a:lvl8pPr>
-            <a:lvl9pPr marL="3657600" indent="0" algn="ctr" defTabSz="914400" rtl="0" eaLnBrk="1" latinLnBrk="0" hangingPunct="1">
-              <a:spcBef>
-                <a:spcPts val="600"/>
-              </a:spcBef>
-              <a:buClr>
-                <a:schemeClr val="bg1">
-                  <a:lumMod val="65000"/>
-                </a:schemeClr>
-              </a:buClr>
-              <a:buSzPct val="90000"/>
-              <a:buFont typeface="Wingdings" pitchFamily="2" charset="2"/>
-              <a:buNone/>
-              <a:defRPr lang="en-US" sz="1800" kern="1200">
-                <a:solidFill>
-                  <a:schemeClr val="tx1">
-                    <a:tint val="75000"/>
-                  </a:schemeClr>
-                </a:solidFill>
-                <a:latin typeface="+mn-lt"/>
-                <a:ea typeface="+mn-ea"/>
-                <a:cs typeface="+mn-cs"/>
-              </a:defRPr>
-            </a:lvl9pPr>
-          </a:lstStyle>
-          <a:p>
-            <a:r>
-              <a:rPr lang="en-US" dirty="0" smtClean="0">
-                <a:solidFill>
-                  <a:schemeClr val="tx1"/>
-                </a:solidFill>
-              </a:rPr>
-              <a:t>By Droids Robotics</a:t>
-            </a:r>
-            <a:endParaRPr lang="en-US" dirty="0">
-              <a:solidFill>
-                <a:schemeClr val="tx1"/>
-              </a:solidFill>
-            </a:endParaRPr>
-          </a:p>
-        </p:txBody>
-      </p:sp>
     </p:spTree>
     <p:extLst>
       <p:ext uri="{BB962C8B-B14F-4D97-AF65-F5344CB8AC3E}">
@@ -1786,9 +1504,9 @@
           <a:bodyPr/>
           <a:lstStyle/>
           <a:p>
-            <a:fld id="{84DA870B-DE32-4241-9143-B055909A3A27}" type="datetime1">
-              <a:rPr lang="en-US" smtClean="0"/>
-              <a:t>11/15/15</a:t>
+            <a:fld id="{DC79537B-1308-EA4F-B6CF-32947B52AF00}" type="datetime1">
+              <a:rPr lang="en-US" smtClean="0"/>
+              <a:t>7/19/16</a:t>
             </a:fld>
             <a:endParaRPr lang="en-US"/>
           </a:p>
@@ -1810,8 +1528,8 @@
           <a:lstStyle/>
           <a:p>
             <a:r>
-              <a:rPr lang="en-US" smtClean="0"/>
-              <a:t>© 2015 EV3Lessons.com, Last edit 6/23/2015</a:t>
+              <a:rPr lang="sk-SK" smtClean="0"/>
+              <a:t>© 2016 EV3Lessons.com, Last edit 7/19/2016</a:t>
             </a:r>
             <a:endParaRPr lang="en-US"/>
           </a:p>
@@ -2144,9 +1862,9 @@
           <a:bodyPr/>
           <a:lstStyle/>
           <a:p>
-            <a:fld id="{406E9691-6019-4D2C-8D42-5CEFC86819A2}" type="datetime1">
-              <a:rPr lang="en-US" smtClean="0"/>
-              <a:t>11/15/15</a:t>
+            <a:fld id="{A199B388-6B1A-B449-813E-A0B463256BE6}" type="datetime1">
+              <a:rPr lang="en-US" smtClean="0"/>
+              <a:t>7/19/16</a:t>
             </a:fld>
             <a:endParaRPr lang="en-US"/>
           </a:p>
@@ -2168,8 +1886,8 @@
           <a:lstStyle/>
           <a:p>
             <a:r>
-              <a:rPr lang="en-US" smtClean="0"/>
-              <a:t>© 2015 EV3Lessons.com, Last edit 6/23/2015</a:t>
+              <a:rPr lang="sk-SK" smtClean="0"/>
+              <a:t>© 2016 EV3Lessons.com, Last edit 7/19/2016</a:t>
             </a:r>
             <a:endParaRPr lang="en-US"/>
           </a:p>
@@ -2607,9 +2325,9 @@
           <a:bodyPr/>
           <a:lstStyle/>
           <a:p>
-            <a:fld id="{7BD500F5-43F6-495D-A4AE-5B966B7B6B28}" type="datetime1">
-              <a:rPr lang="en-US" smtClean="0"/>
-              <a:t>11/15/15</a:t>
+            <a:fld id="{3508A0D3-ED2B-494A-81F3-449B8E675AD6}" type="datetime1">
+              <a:rPr lang="en-US" smtClean="0"/>
+              <a:t>7/19/16</a:t>
             </a:fld>
             <a:endParaRPr lang="en-US" dirty="0"/>
           </a:p>
@@ -2631,8 +2349,8 @@
           <a:lstStyle/>
           <a:p>
             <a:r>
-              <a:rPr lang="en-US" smtClean="0"/>
-              <a:t>© 2015 EV3Lessons.com, Last edit 6/23/2015</a:t>
+              <a:rPr lang="sk-SK" smtClean="0"/>
+              <a:t>© 2016 EV3Lessons.com, Last edit 7/19/2016</a:t>
             </a:r>
             <a:endParaRPr lang="en-US" dirty="0"/>
           </a:p>
@@ -2686,7 +2404,6 @@
       </p:par>
     </p:tnLst>
   </p:timing>
-  <p:hf hdr="0" dt="0"/>
 </p:sldLayout>
 </file>
 
@@ -3072,9 +2789,9 @@
           <a:bodyPr/>
           <a:lstStyle/>
           <a:p>
-            <a:fld id="{01D2E5C2-C9CD-4994-B018-91046468FEF0}" type="datetime1">
-              <a:rPr lang="en-US" smtClean="0"/>
-              <a:t>11/15/15</a:t>
+            <a:fld id="{C459E9ED-D20D-B24E-89C5-893B969C497F}" type="datetime1">
+              <a:rPr lang="en-US" smtClean="0"/>
+              <a:t>7/19/16</a:t>
             </a:fld>
             <a:endParaRPr lang="en-US"/>
           </a:p>
@@ -3797,9 +3514,9 @@
           <a:bodyPr/>
           <a:lstStyle/>
           <a:p>
-            <a:fld id="{54F4D067-A5E4-44FB-8047-EFF7679EBAC3}" type="datetime1">
-              <a:rPr lang="en-US" smtClean="0"/>
-              <a:t>11/15/15</a:t>
+            <a:fld id="{CFBF79C9-CDCE-5044-8C05-D047B8DA150B}" type="datetime1">
+              <a:rPr lang="en-US" smtClean="0"/>
+              <a:t>7/19/16</a:t>
             </a:fld>
             <a:endParaRPr lang="en-US"/>
           </a:p>
@@ -3821,8 +3538,8 @@
           <a:lstStyle/>
           <a:p>
             <a:r>
-              <a:rPr lang="en-US" smtClean="0"/>
-              <a:t>© 2015 EV3Lessons.com, Last edit 6/23/2015</a:t>
+              <a:rPr lang="sk-SK" smtClean="0"/>
+              <a:t>© 2016 EV3Lessons.com, Last edit 7/19/2016</a:t>
             </a:r>
             <a:endParaRPr lang="en-US"/>
           </a:p>
@@ -4079,9 +3796,9 @@
           <a:bodyPr/>
           <a:lstStyle/>
           <a:p>
-            <a:fld id="{50408537-FD6C-479F-AC4F-ACEB1D7337B3}" type="datetime1">
-              <a:rPr lang="en-US" smtClean="0"/>
-              <a:t>11/15/15</a:t>
+            <a:fld id="{5AB7D824-C780-7B4F-83D0-7994C7AF9347}" type="datetime1">
+              <a:rPr lang="en-US" smtClean="0"/>
+              <a:t>7/19/16</a:t>
             </a:fld>
             <a:endParaRPr lang="en-US"/>
           </a:p>
@@ -4103,8 +3820,8 @@
           <a:lstStyle/>
           <a:p>
             <a:r>
-              <a:rPr lang="en-US" smtClean="0"/>
-              <a:t>© 2015 EV3Lessons.com, Last edit 6/23/2015</a:t>
+              <a:rPr lang="sk-SK" smtClean="0"/>
+              <a:t>© 2016 EV3Lessons.com, Last edit 7/19/2016</a:t>
             </a:r>
             <a:endParaRPr lang="en-US"/>
           </a:p>
@@ -4399,9 +4116,9 @@
           <a:bodyPr/>
           <a:lstStyle/>
           <a:p>
-            <a:fld id="{F9948279-4051-4431-B55B-450755FAD57D}" type="datetime1">
-              <a:rPr lang="en-US" smtClean="0"/>
-              <a:t>11/15/15</a:t>
+            <a:fld id="{7F96ADC1-CC02-9A43-A4CB-D167625C05C1}" type="datetime1">
+              <a:rPr lang="en-US" smtClean="0"/>
+              <a:t>7/19/16</a:t>
             </a:fld>
             <a:endParaRPr lang="en-US"/>
           </a:p>
@@ -4423,8 +4140,8 @@
           <a:lstStyle/>
           <a:p>
             <a:r>
-              <a:rPr lang="en-US" smtClean="0"/>
-              <a:t>© 2015 EV3Lessons.com, Last edit 6/23/2015</a:t>
+              <a:rPr lang="sk-SK" smtClean="0"/>
+              <a:t>© 2016 EV3Lessons.com, Last edit 7/19/2016</a:t>
             </a:r>
             <a:endParaRPr lang="en-US"/>
           </a:p>
@@ -4628,9 +4345,9 @@
           <a:bodyPr/>
           <a:lstStyle/>
           <a:p>
-            <a:fld id="{E473C44E-D7E4-48E2-BACD-3B0B7333D5C2}" type="datetime1">
-              <a:rPr lang="en-US" smtClean="0"/>
-              <a:t>11/15/15</a:t>
+            <a:fld id="{165CE8FC-6AF2-4C4C-95D2-0351DEDCF74B}" type="datetime1">
+              <a:rPr lang="en-US" smtClean="0"/>
+              <a:t>7/19/16</a:t>
             </a:fld>
             <a:endParaRPr lang="en-US"/>
           </a:p>
@@ -4652,8 +4369,8 @@
           <a:lstStyle/>
           <a:p>
             <a:r>
-              <a:rPr lang="en-US" smtClean="0"/>
-              <a:t>© 2015 EV3Lessons.com, Last edit 6/23/2015</a:t>
+              <a:rPr lang="sk-SK" smtClean="0"/>
+              <a:t>© 2016 EV3Lessons.com, Last edit 7/19/2016</a:t>
             </a:r>
             <a:endParaRPr lang="en-US"/>
           </a:p>
@@ -4915,9 +4632,9 @@
           <a:bodyPr/>
           <a:lstStyle/>
           <a:p>
-            <a:fld id="{7BD500F5-43F6-495D-A4AE-5B966B7B6B28}" type="datetime1">
-              <a:rPr lang="en-US" smtClean="0"/>
-              <a:t>11/15/15</a:t>
+            <a:fld id="{60C20A14-C36E-184E-8C61-19F1C10DB4B5}" type="datetime1">
+              <a:rPr lang="en-US" smtClean="0"/>
+              <a:t>7/19/16</a:t>
             </a:fld>
             <a:endParaRPr lang="en-US" dirty="0"/>
           </a:p>
@@ -4939,8 +4656,8 @@
           <a:lstStyle/>
           <a:p>
             <a:r>
-              <a:rPr lang="en-US" smtClean="0"/>
-              <a:t>© 2015 EV3Lessons.com, Last edit 6/23/2015</a:t>
+              <a:rPr lang="sk-SK" smtClean="0"/>
+              <a:t>© 2016 EV3Lessons.com, Last edit 7/19/2016</a:t>
             </a:r>
             <a:endParaRPr lang="en-US" dirty="0"/>
           </a:p>
@@ -5036,7 +4753,6 @@
   <p:clrMapOvr>
     <a:masterClrMapping/>
   </p:clrMapOvr>
-  <p:hf hdr="0" dt="0"/>
 </p:sldLayout>
 </file>
 
@@ -5160,9 +4876,9 @@
             </a:lvl1pPr>
           </a:lstStyle>
           <a:p>
-            <a:fld id="{7BD500F5-43F6-495D-A4AE-5B966B7B6B28}" type="datetime1">
-              <a:rPr lang="en-US" smtClean="0"/>
-              <a:t>11/15/15</a:t>
+            <a:fld id="{A9112A0D-79EC-1341-9CB6-98B750B400BC}" type="datetime1">
+              <a:rPr lang="en-US" smtClean="0"/>
+              <a:t>7/19/16</a:t>
             </a:fld>
             <a:endParaRPr lang="en-US" dirty="0"/>
           </a:p>
@@ -5202,8 +4918,8 @@
           </a:lstStyle>
           <a:p>
             <a:r>
-              <a:rPr lang="en-US" smtClean="0"/>
-              <a:t>© 2015 EV3Lessons.com, Last edit 6/23/2015</a:t>
+              <a:rPr lang="sk-SK" smtClean="0"/>
+              <a:t>© 2016 EV3Lessons.com, Last edit 7/19/2016</a:t>
             </a:r>
             <a:endParaRPr lang="en-US" dirty="0"/>
           </a:p>
@@ -5316,7 +5032,7 @@
       </p:par>
     </p:tnLst>
   </p:timing>
-  <p:hf hdr="0" dt="0"/>
+  <p:hf sldNum="0" hdr="0" dt="0"/>
   <p:txStyles>
     <p:titleStyle>
       <a:lvl1pPr marL="231775" indent="3175" algn="l" defTabSz="914400" rtl="0" eaLnBrk="1" latinLnBrk="0" hangingPunct="1">
@@ -5675,29 +5391,6 @@
       </p:grpSpPr>
       <p:sp>
         <p:nvSpPr>
-          <p:cNvPr id="10" name="Footer Placeholder 9"/>
-          <p:cNvSpPr>
-            <a:spLocks noGrp="1"/>
-          </p:cNvSpPr>
-          <p:nvPr>
-            <p:ph type="ftr" sz="quarter" idx="11"/>
-          </p:nvPr>
-        </p:nvSpPr>
-        <p:spPr/>
-        <p:txBody>
-          <a:bodyPr/>
-          <a:lstStyle/>
-          <a:p>
-            <a:r>
-              <a:rPr lang="en-US" smtClean="0"/>
-              <a:t>© 2015 EV3Lessons.com, Last edit 6/23/2015</a:t>
-            </a:r>
-            <a:endParaRPr lang="en-US"/>
-          </a:p>
-        </p:txBody>
-      </p:sp>
-      <p:sp>
-        <p:nvSpPr>
           <p:cNvPr id="2" name="Title 1"/>
           <p:cNvSpPr>
             <a:spLocks noGrp="1"/>
@@ -5743,10 +5436,47 @@
           <a:bodyPr/>
           <a:lstStyle/>
           <a:p>
-            <a:endParaRPr lang="en-US"/>
-          </a:p>
-        </p:txBody>
-      </p:sp>
+            <a:r>
+              <a:rPr lang="en-US" dirty="0" smtClean="0"/>
+              <a:t>By Sanjay and Arvind </a:t>
+            </a:r>
+            <a:r>
+              <a:rPr lang="en-US" dirty="0" err="1" smtClean="0"/>
+              <a:t>Seshan</a:t>
+            </a:r>
+            <a:endParaRPr lang="en-US" dirty="0"/>
+          </a:p>
+        </p:txBody>
+      </p:sp>
+      <p:pic>
+        <p:nvPicPr>
+          <p:cNvPr id="5" name="Picture 4"/>
+          <p:cNvPicPr>
+            <a:picLocks noChangeAspect="1"/>
+          </p:cNvPicPr>
+          <p:nvPr/>
+        </p:nvPicPr>
+        <p:blipFill rotWithShape="1">
+          <a:blip r:embed="rId3">
+            <a:extLst>
+              <a:ext uri="{28A0092B-C50C-407E-A947-70E740481C1C}">
+                <a14:useLocalDpi xmlns:a14="http://schemas.microsoft.com/office/drawing/2010/main" val="0"/>
+              </a:ext>
+            </a:extLst>
+          </a:blip>
+          <a:srcRect l="4523" t="17619" r="3095" b="25000"/>
+          <a:stretch/>
+        </p:blipFill>
+        <p:spPr>
+          <a:xfrm>
+            <a:off x="3459013" y="4560129"/>
+            <a:ext cx="2225974" cy="1382629"/>
+          </a:xfrm>
+          <a:prstGeom prst="rect">
+            <a:avLst/>
+          </a:prstGeom>
+        </p:spPr>
+      </p:pic>
     </p:spTree>
     <p:extLst>
       <p:ext uri="{BB962C8B-B14F-4D97-AF65-F5344CB8AC3E}">
@@ -5801,25 +5531,36 @@
           <a:p>
             <a:pPr lvl="1"/>
             <a:r>
-              <a:rPr lang="en-US" smtClean="0"/>
-              <a:t>This tutorial was created by Sanjay Seshan and Arvind Seshan from Droids Robotics (</a:t>
-            </a:r>
-            <a:r>
-              <a:rPr lang="en-US" smtClean="0">
-                <a:hlinkClick r:id="rId3"/>
-              </a:rPr>
-              <a:t>team@droidsrobotics.org</a:t>
-            </a:r>
-            <a:r>
-              <a:rPr lang="en-US" smtClean="0"/>
-              <a:t>).</a:t>
-            </a:r>
+              <a:rPr lang="en-US" dirty="0" smtClean="0"/>
+              <a:t>This tutorial was created by Sanjay </a:t>
+            </a:r>
+            <a:r>
+              <a:rPr lang="en-US" dirty="0" err="1" smtClean="0"/>
+              <a:t>Seshan</a:t>
+            </a:r>
+            <a:r>
+              <a:rPr lang="en-US" dirty="0" smtClean="0"/>
+              <a:t> and Arvind </a:t>
+            </a:r>
+            <a:r>
+              <a:rPr lang="en-US" dirty="0" err="1" smtClean="0"/>
+              <a:t>Seshan</a:t>
+            </a:r>
+            <a:r>
+              <a:rPr lang="en-US" dirty="0" smtClean="0"/>
+              <a:t> </a:t>
+            </a:r>
+            <a:endParaRPr lang="en-US" dirty="0" smtClean="0"/>
           </a:p>
           <a:p>
             <a:pPr lvl="1"/>
             <a:r>
-              <a:rPr lang="en-US" smtClean="0"/>
-              <a:t>More lessons at www.ev3lessons.com</a:t>
+              <a:rPr lang="en-US" dirty="0" smtClean="0"/>
+              <a:t>More </a:t>
+            </a:r>
+            <a:r>
+              <a:rPr lang="en-US" dirty="0" smtClean="0"/>
+              <a:t>lessons at www.ev3lessons.com</a:t>
             </a:r>
             <a:endParaRPr lang="en-US" dirty="0"/>
           </a:p>
@@ -5841,33 +5582,9 @@
           <a:lstStyle/>
           <a:p>
             <a:r>
-              <a:rPr lang="en-US" smtClean="0"/>
-              <a:t>© 2015 EV3Lessons.com, Last edit 6/23/2015</a:t>
-            </a:r>
-            <a:endParaRPr lang="en-US"/>
-          </a:p>
-        </p:txBody>
-      </p:sp>
-      <p:sp>
-        <p:nvSpPr>
-          <p:cNvPr id="7" name="Slide Number Placeholder 6"/>
-          <p:cNvSpPr>
-            <a:spLocks noGrp="1"/>
-          </p:cNvSpPr>
-          <p:nvPr>
-            <p:ph type="sldNum" sz="quarter" idx="12"/>
-          </p:nvPr>
-        </p:nvSpPr>
-        <p:spPr/>
-        <p:txBody>
-          <a:bodyPr/>
-          <a:lstStyle/>
-          <a:p>
-            <a:fld id="{4382A7F7-08BF-4252-8141-63FB96055BBB}" type="slidenum">
-              <a:rPr lang="en-US" smtClean="0"/>
-              <a:pPr/>
-              <a:t>10</a:t>
-            </a:fld>
+              <a:rPr lang="sk-SK" smtClean="0"/>
+              <a:t>© 2016 EV3Lessons.com, Last edit 7/19/2016</a:t>
+            </a:r>
             <a:endParaRPr lang="en-US"/>
           </a:p>
         </p:txBody>
@@ -5920,7 +5637,7 @@
           <a:effectLst/>
           <a:extLst>
             <a:ext uri="{91240B29-F687-4f45-9708-019B960494DF}">
-              <a14:hiddenLine xmlns="" xmlns:a14="http://schemas.microsoft.com/office/drawing/2010/main" w="9525">
+              <a14:hiddenLine xmlns:a14="http://schemas.microsoft.com/office/drawing/2010/main" xmlns="" w="9525">
                 <a:solidFill>
                   <a:schemeClr val="tx1"/>
                 </a:solidFill>
@@ -5930,7 +5647,7 @@
               </a14:hiddenLine>
             </a:ext>
             <a:ext uri="{AF507438-7753-43e0-B8FC-AC1667EBCBE1}">
-              <a14:hiddenEffects xmlns="" xmlns:a14="http://schemas.microsoft.com/office/drawing/2010/main">
+              <a14:hiddenEffects xmlns:a14="http://schemas.microsoft.com/office/drawing/2010/main" xmlns="">
                 <a:effectLst>
                   <a:outerShdw dist="35921" dir="2700000" algn="ctr" rotWithShape="0">
                     <a:schemeClr val="bg2"/>
@@ -6151,7 +5868,7 @@
                 </a:solidFill>
                 <a:effectLst/>
                 <a:latin typeface="Helvetica Neue"/>
-                <a:hlinkClick r:id="rId4"/>
+                <a:hlinkClick r:id="rId3"/>
               </a:rPr>
               <a:t>Creative Commons Attribution-</a:t>
             </a:r>
@@ -6165,7 +5882,7 @@
                 </a:solidFill>
                 <a:effectLst/>
                 <a:latin typeface="Helvetica Neue"/>
-                <a:hlinkClick r:id="rId4"/>
+                <a:hlinkClick r:id="rId3"/>
               </a:rPr>
               <a:t>NonCommercial</a:t>
             </a:r>
@@ -6179,7 +5896,7 @@
                 </a:solidFill>
                 <a:effectLst/>
                 <a:latin typeface="Helvetica Neue"/>
-                <a:hlinkClick r:id="rId4"/>
+                <a:hlinkClick r:id="rId3"/>
               </a:rPr>
               <a:t>-</a:t>
             </a:r>
@@ -6193,7 +5910,7 @@
                 </a:solidFill>
                 <a:effectLst/>
                 <a:latin typeface="Helvetica Neue"/>
-                <a:hlinkClick r:id="rId4"/>
+                <a:hlinkClick r:id="rId3"/>
               </a:rPr>
               <a:t>ShareAlike</a:t>
             </a:r>
@@ -6207,7 +5924,7 @@
                 </a:solidFill>
                 <a:effectLst/>
                 <a:latin typeface="Helvetica Neue"/>
-                <a:hlinkClick r:id="rId4"/>
+                <a:hlinkClick r:id="rId3"/>
               </a:rPr>
               <a:t> 4.0 International License</a:t>
             </a:r>
@@ -6252,7 +5969,7 @@
       <p:pic>
         <p:nvPicPr>
           <p:cNvPr id="6" name="Picture 2" descr="Creative Commons License">
-            <a:hlinkClick r:id="rId4"/>
+            <a:hlinkClick r:id="rId3"/>
           </p:cNvPr>
           <p:cNvPicPr>
             <a:picLocks noChangeAspect="1" noChangeArrowheads="1"/>
@@ -6260,7 +5977,7 @@
           <p:nvPr/>
         </p:nvPicPr>
         <p:blipFill>
-          <a:blip r:embed="rId5">
+          <a:blip r:embed="rId4">
             <a:extLst>
               <a:ext uri="{28A0092B-C50C-407E-A947-70E740481C1C}">
                 <a14:useLocalDpi xmlns:a14="http://schemas.microsoft.com/office/drawing/2010/main" val="0"/>
@@ -6283,7 +6000,7 @@
           <a:noFill/>
           <a:extLst>
             <a:ext uri="{909E8E84-426E-40dd-AFC4-6F175D3DCCD1}">
-              <a14:hiddenFill xmlns="" xmlns:a14="http://schemas.microsoft.com/office/drawing/2010/main">
+              <a14:hiddenFill xmlns:a14="http://schemas.microsoft.com/office/drawing/2010/main" xmlns="">
                 <a:solidFill>
                   <a:srgbClr val="FFFFFF"/>
                 </a:solidFill>
@@ -6397,33 +6114,9 @@
           <a:lstStyle/>
           <a:p>
             <a:r>
-              <a:rPr lang="en-US" smtClean="0"/>
-              <a:t>© 2015 EV3Lessons.com, Last edit 6/23/2015</a:t>
-            </a:r>
-            <a:endParaRPr lang="en-US"/>
-          </a:p>
-        </p:txBody>
-      </p:sp>
-      <p:sp>
-        <p:nvSpPr>
-          <p:cNvPr id="5" name="Slide Number Placeholder 4"/>
-          <p:cNvSpPr>
-            <a:spLocks noGrp="1"/>
-          </p:cNvSpPr>
-          <p:nvPr>
-            <p:ph type="sldNum" sz="quarter" idx="12"/>
-          </p:nvPr>
-        </p:nvSpPr>
-        <p:spPr/>
-        <p:txBody>
-          <a:bodyPr/>
-          <a:lstStyle/>
-          <a:p>
-            <a:fld id="{4382A7F7-08BF-4252-8141-63FB96055BBB}" type="slidenum">
-              <a:rPr lang="en-US" smtClean="0"/>
-              <a:pPr/>
-              <a:t>2</a:t>
-            </a:fld>
+              <a:rPr lang="sk-SK" smtClean="0"/>
+              <a:t>© 2016 EV3Lessons.com, Last edit 7/19/2016</a:t>
+            </a:r>
             <a:endParaRPr lang="en-US"/>
           </a:p>
         </p:txBody>
@@ -6546,33 +6239,9 @@
           <a:lstStyle/>
           <a:p>
             <a:r>
-              <a:rPr lang="en-US" smtClean="0"/>
-              <a:t>© 2015 EV3Lessons.com, Last edit 6/23/2015</a:t>
-            </a:r>
-            <a:endParaRPr lang="en-US"/>
-          </a:p>
-        </p:txBody>
-      </p:sp>
-      <p:sp>
-        <p:nvSpPr>
-          <p:cNvPr id="5" name="Slide Number Placeholder 4"/>
-          <p:cNvSpPr>
-            <a:spLocks noGrp="1"/>
-          </p:cNvSpPr>
-          <p:nvPr>
-            <p:ph type="sldNum" sz="quarter" idx="12"/>
-          </p:nvPr>
-        </p:nvSpPr>
-        <p:spPr/>
-        <p:txBody>
-          <a:bodyPr/>
-          <a:lstStyle/>
-          <a:p>
-            <a:fld id="{4382A7F7-08BF-4252-8141-63FB96055BBB}" type="slidenum">
-              <a:rPr lang="en-US" smtClean="0"/>
-              <a:pPr/>
-              <a:t>3</a:t>
-            </a:fld>
+              <a:rPr lang="sk-SK" smtClean="0"/>
+              <a:t>© 2016 EV3Lessons.com, Last edit 7/19/2016</a:t>
+            </a:r>
             <a:endParaRPr lang="en-US"/>
           </a:p>
         </p:txBody>
@@ -6646,34 +6315,10 @@
           <a:lstStyle/>
           <a:p>
             <a:r>
-              <a:rPr lang="en-US" smtClean="0"/>
-              <a:t>© 2015 EV3Lessons.com, Last edit 6/23/2015</a:t>
+              <a:rPr lang="sk-SK" smtClean="0"/>
+              <a:t>© 2016 EV3Lessons.com, Last edit 7/19/2016</a:t>
             </a:r>
             <a:endParaRPr lang="en-US" dirty="0"/>
-          </a:p>
-        </p:txBody>
-      </p:sp>
-      <p:sp>
-        <p:nvSpPr>
-          <p:cNvPr id="3" name="Slide Number Placeholder 2"/>
-          <p:cNvSpPr>
-            <a:spLocks noGrp="1"/>
-          </p:cNvSpPr>
-          <p:nvPr>
-            <p:ph type="sldNum" sz="quarter" idx="12"/>
-          </p:nvPr>
-        </p:nvSpPr>
-        <p:spPr/>
-        <p:txBody>
-          <a:bodyPr/>
-          <a:lstStyle/>
-          <a:p>
-            <a:fld id="{4382A7F7-08BF-4252-8141-63FB96055BBB}" type="slidenum">
-              <a:rPr lang="en-US" smtClean="0"/>
-              <a:pPr/>
-              <a:t>4</a:t>
-            </a:fld>
-            <a:endParaRPr lang="en-US"/>
           </a:p>
         </p:txBody>
       </p:sp>
@@ -7270,34 +6915,10 @@
           <a:lstStyle/>
           <a:p>
             <a:r>
-              <a:rPr lang="en-US" smtClean="0"/>
-              <a:t>© 2015 EV3Lessons.com, Last edit 6/23/2015</a:t>
+              <a:rPr lang="sk-SK" smtClean="0"/>
+              <a:t>© 2016 EV3Lessons.com, Last edit 7/19/2016</a:t>
             </a:r>
             <a:endParaRPr lang="en-US" dirty="0"/>
-          </a:p>
-        </p:txBody>
-      </p:sp>
-      <p:sp>
-        <p:nvSpPr>
-          <p:cNvPr id="5" name="Slide Number Placeholder 4"/>
-          <p:cNvSpPr>
-            <a:spLocks noGrp="1"/>
-          </p:cNvSpPr>
-          <p:nvPr>
-            <p:ph type="sldNum" sz="quarter" idx="12"/>
-          </p:nvPr>
-        </p:nvSpPr>
-        <p:spPr/>
-        <p:txBody>
-          <a:bodyPr/>
-          <a:lstStyle/>
-          <a:p>
-            <a:fld id="{4382A7F7-08BF-4252-8141-63FB96055BBB}" type="slidenum">
-              <a:rPr lang="en-US" smtClean="0"/>
-              <a:pPr/>
-              <a:t>5</a:t>
-            </a:fld>
-            <a:endParaRPr lang="en-US"/>
           </a:p>
         </p:txBody>
       </p:sp>
@@ -7400,34 +7021,10 @@
           <a:lstStyle/>
           <a:p>
             <a:r>
-              <a:rPr lang="en-US" smtClean="0"/>
-              <a:t>© 2015 EV3Lessons.com, Last edit 6/23/2015</a:t>
+              <a:rPr lang="sk-SK" smtClean="0"/>
+              <a:t>© 2016 EV3Lessons.com, Last edit 7/19/2016</a:t>
             </a:r>
             <a:endParaRPr lang="en-US" dirty="0"/>
-          </a:p>
-        </p:txBody>
-      </p:sp>
-      <p:sp>
-        <p:nvSpPr>
-          <p:cNvPr id="5" name="Slide Number Placeholder 4"/>
-          <p:cNvSpPr>
-            <a:spLocks noGrp="1"/>
-          </p:cNvSpPr>
-          <p:nvPr>
-            <p:ph type="sldNum" sz="quarter" idx="12"/>
-          </p:nvPr>
-        </p:nvSpPr>
-        <p:spPr/>
-        <p:txBody>
-          <a:bodyPr/>
-          <a:lstStyle/>
-          <a:p>
-            <a:fld id="{4382A7F7-08BF-4252-8141-63FB96055BBB}" type="slidenum">
-              <a:rPr lang="en-US" smtClean="0"/>
-              <a:pPr/>
-              <a:t>6</a:t>
-            </a:fld>
-            <a:endParaRPr lang="en-US"/>
           </a:p>
         </p:txBody>
       </p:sp>
@@ -7573,32 +7170,9 @@
           <a:lstStyle/>
           <a:p>
             <a:r>
-              <a:rPr lang="en-US" smtClean="0"/>
-              <a:t>© 2015 EV3Lessons.com, Last edit 6/23/2015</a:t>
-            </a:r>
-            <a:endParaRPr lang="en-US"/>
-          </a:p>
-        </p:txBody>
-      </p:sp>
-      <p:sp>
-        <p:nvSpPr>
-          <p:cNvPr id="5" name="Slide Number Placeholder 4"/>
-          <p:cNvSpPr>
-            <a:spLocks noGrp="1"/>
-          </p:cNvSpPr>
-          <p:nvPr>
-            <p:ph type="sldNum" sz="quarter" idx="12"/>
-          </p:nvPr>
-        </p:nvSpPr>
-        <p:spPr/>
-        <p:txBody>
-          <a:bodyPr/>
-          <a:lstStyle/>
-          <a:p>
-            <a:fld id="{4382A7F7-08BF-4252-8141-63FB96055BBB}" type="slidenum">
-              <a:rPr lang="en-US" smtClean="0"/>
-              <a:t>7</a:t>
-            </a:fld>
+              <a:rPr lang="sk-SK" smtClean="0"/>
+              <a:t>© 2016 EV3Lessons.com, Last edit 7/19/2016</a:t>
+            </a:r>
             <a:endParaRPr lang="en-US"/>
           </a:p>
         </p:txBody>
@@ -7672,34 +7246,10 @@
           <a:lstStyle/>
           <a:p>
             <a:r>
-              <a:rPr lang="en-US" smtClean="0"/>
-              <a:t>© 2015 EV3Lessons.com, Last edit 6/23/2015</a:t>
+              <a:rPr lang="sk-SK" smtClean="0"/>
+              <a:t>© 2016 EV3Lessons.com, Last edit 7/19/2016</a:t>
             </a:r>
             <a:endParaRPr lang="en-US" dirty="0"/>
-          </a:p>
-        </p:txBody>
-      </p:sp>
-      <p:sp>
-        <p:nvSpPr>
-          <p:cNvPr id="5" name="Slide Number Placeholder 4"/>
-          <p:cNvSpPr>
-            <a:spLocks noGrp="1"/>
-          </p:cNvSpPr>
-          <p:nvPr>
-            <p:ph type="sldNum" sz="quarter" idx="12"/>
-          </p:nvPr>
-        </p:nvSpPr>
-        <p:spPr/>
-        <p:txBody>
-          <a:bodyPr/>
-          <a:lstStyle/>
-          <a:p>
-            <a:fld id="{4382A7F7-08BF-4252-8141-63FB96055BBB}" type="slidenum">
-              <a:rPr lang="en-US" smtClean="0"/>
-              <a:pPr/>
-              <a:t>8</a:t>
-            </a:fld>
-            <a:endParaRPr lang="en-US"/>
           </a:p>
         </p:txBody>
       </p:sp>
@@ -7845,32 +7395,9 @@
           <a:lstStyle/>
           <a:p>
             <a:r>
-              <a:rPr lang="en-US" smtClean="0"/>
-              <a:t>© 2015 EV3Lessons.com, Last edit 6/23/2015</a:t>
-            </a:r>
-            <a:endParaRPr lang="en-US"/>
-          </a:p>
-        </p:txBody>
-      </p:sp>
-      <p:sp>
-        <p:nvSpPr>
-          <p:cNvPr id="5" name="Slide Number Placeholder 4"/>
-          <p:cNvSpPr>
-            <a:spLocks noGrp="1"/>
-          </p:cNvSpPr>
-          <p:nvPr>
-            <p:ph type="sldNum" sz="quarter" idx="12"/>
-          </p:nvPr>
-        </p:nvSpPr>
-        <p:spPr/>
-        <p:txBody>
-          <a:bodyPr/>
-          <a:lstStyle/>
-          <a:p>
-            <a:fld id="{4382A7F7-08BF-4252-8141-63FB96055BBB}" type="slidenum">
-              <a:rPr lang="en-US" smtClean="0"/>
-              <a:t>9</a:t>
-            </a:fld>
+              <a:rPr lang="sk-SK" smtClean="0"/>
+              <a:t>© 2016 EV3Lessons.com, Last edit 7/19/2016</a:t>
+            </a:r>
             <a:endParaRPr lang="en-US"/>
           </a:p>
         </p:txBody>
